--- a/files/presentation.pptx
+++ b/files/presentation.pptx
@@ -6,18 +6,20 @@
   </p:sldMasterIdLst>
   <p:sldIdLst>
     <p:sldId id="256" r:id="rId2"/>
-    <p:sldId id="273" r:id="rId3"/>
-    <p:sldId id="272" r:id="rId4"/>
-    <p:sldId id="261" r:id="rId5"/>
-    <p:sldId id="257" r:id="rId6"/>
-    <p:sldId id="264" r:id="rId7"/>
-    <p:sldId id="262" r:id="rId8"/>
-    <p:sldId id="265" r:id="rId9"/>
-    <p:sldId id="270" r:id="rId10"/>
-    <p:sldId id="260" r:id="rId11"/>
-    <p:sldId id="271" r:id="rId12"/>
-    <p:sldId id="259" r:id="rId13"/>
-    <p:sldId id="266" r:id="rId14"/>
+    <p:sldId id="274" r:id="rId3"/>
+    <p:sldId id="273" r:id="rId4"/>
+    <p:sldId id="272" r:id="rId5"/>
+    <p:sldId id="275" r:id="rId6"/>
+    <p:sldId id="261" r:id="rId7"/>
+    <p:sldId id="257" r:id="rId8"/>
+    <p:sldId id="264" r:id="rId9"/>
+    <p:sldId id="262" r:id="rId10"/>
+    <p:sldId id="265" r:id="rId11"/>
+    <p:sldId id="270" r:id="rId12"/>
+    <p:sldId id="260" r:id="rId13"/>
+    <p:sldId id="271" r:id="rId14"/>
+    <p:sldId id="259" r:id="rId15"/>
+    <p:sldId id="266" r:id="rId16"/>
   </p:sldIdLst>
   <p:sldSz cx="12192000" cy="6858000"/>
   <p:notesSz cx="6858000" cy="9144000"/>
@@ -1185,7 +1187,7 @@
             <a:fld id="{08B9EBBA-996F-894A-B54A-D6246ED52CEA}" type="datetimeFigureOut">
               <a:rPr lang="en-US" smtClean="0"/>
               <a:pPr/>
-              <a:t>11/14/2018</a:t>
+              <a:t>11/15/2018</a:t>
             </a:fld>
             <a:endParaRPr lang="en-US" dirty="0"/>
           </a:p>
@@ -1357,7 +1359,7 @@
             <a:fld id="{C6C52C72-DE31-F449-A4ED-4C594FD91407}" type="datetimeFigureOut">
               <a:rPr lang="en-US" smtClean="0"/>
               <a:pPr/>
-              <a:t>11/14/2018</a:t>
+              <a:t>11/15/2018</a:t>
             </a:fld>
             <a:endParaRPr lang="en-US" dirty="0"/>
           </a:p>
@@ -1539,7 +1541,7 @@
             <a:fld id="{ED62726E-379B-B349-9EED-81ED093FA806}" type="datetimeFigureOut">
               <a:rPr lang="en-US" smtClean="0"/>
               <a:pPr/>
-              <a:t>11/14/2018</a:t>
+              <a:t>11/15/2018</a:t>
             </a:fld>
             <a:endParaRPr lang="en-US" dirty="0"/>
           </a:p>
@@ -1711,7 +1713,7 @@
             <a:fld id="{9B3A1323-8D79-1946-B0D7-40001CF92E9D}" type="datetimeFigureOut">
               <a:rPr lang="en-US" smtClean="0"/>
               <a:pPr/>
-              <a:t>11/14/2018</a:t>
+              <a:t>11/15/2018</a:t>
             </a:fld>
             <a:endParaRPr lang="en-US" dirty="0"/>
           </a:p>
@@ -1959,7 +1961,7 @@
             <a:fld id="{8DFA1846-DA80-1C48-A609-854EA85C59AD}" type="datetimeFigureOut">
               <a:rPr lang="en-US" smtClean="0"/>
               <a:pPr/>
-              <a:t>11/14/2018</a:t>
+              <a:t>11/15/2018</a:t>
             </a:fld>
             <a:endParaRPr lang="en-US" dirty="0"/>
           </a:p>
@@ -2193,7 +2195,7 @@
             <a:fld id="{57302355-E14B-8545-A8F8-0FE83CC9D524}" type="datetimeFigureOut">
               <a:rPr lang="en-US" smtClean="0"/>
               <a:pPr/>
-              <a:t>11/14/2018</a:t>
+              <a:t>11/15/2018</a:t>
             </a:fld>
             <a:endParaRPr lang="en-US" dirty="0"/>
           </a:p>
@@ -2562,7 +2564,7 @@
             <a:fld id="{02640F58-564D-2B4F-AE67-E407BA4FCF45}" type="datetimeFigureOut">
               <a:rPr lang="en-US" smtClean="0"/>
               <a:pPr/>
-              <a:t>11/14/2018</a:t>
+              <a:t>11/15/2018</a:t>
             </a:fld>
             <a:endParaRPr lang="en-US" dirty="0"/>
           </a:p>
@@ -2682,7 +2684,7 @@
             <a:fld id="{F13A34C8-038E-2045-AF43-DF7DBB8E0E9E}" type="datetimeFigureOut">
               <a:rPr lang="en-US" smtClean="0"/>
               <a:pPr/>
-              <a:t>11/14/2018</a:t>
+              <a:t>11/15/2018</a:t>
             </a:fld>
             <a:endParaRPr lang="en-US" dirty="0"/>
           </a:p>
@@ -2779,7 +2781,7 @@
             <a:fld id="{8818C68F-D26B-8F47-958C-23B49CF8A634}" type="datetimeFigureOut">
               <a:rPr lang="en-US" smtClean="0"/>
               <a:pPr/>
-              <a:t>11/14/2018</a:t>
+              <a:t>11/15/2018</a:t>
             </a:fld>
             <a:endParaRPr lang="en-US" dirty="0"/>
           </a:p>
@@ -3058,7 +3060,7 @@
             <a:fld id="{D0DF5E60-9974-AC48-9591-99C2BB44B7CF}" type="datetimeFigureOut">
               <a:rPr lang="en-US" smtClean="0"/>
               <a:pPr/>
-              <a:t>11/14/2018</a:t>
+              <a:t>11/15/2018</a:t>
             </a:fld>
             <a:endParaRPr lang="en-US" dirty="0"/>
           </a:p>
@@ -3317,7 +3319,7 @@
             <a:fld id="{09B482E8-6E0E-1B4F-B1FD-C69DB9E858D9}" type="datetimeFigureOut">
               <a:rPr lang="en-US" smtClean="0"/>
               <a:pPr/>
-              <a:t>11/14/2018</a:t>
+              <a:t>11/15/2018</a:t>
             </a:fld>
             <a:endParaRPr lang="en-US" dirty="0"/>
           </a:p>
@@ -3533,7 +3535,7 @@
             <a:fld id="{09B482E8-6E0E-1B4F-B1FD-C69DB9E858D9}" type="datetimeFigureOut">
               <a:rPr lang="en-US" smtClean="0"/>
               <a:pPr/>
-              <a:t>11/14/2018</a:t>
+              <a:t>11/15/2018</a:t>
             </a:fld>
             <a:endParaRPr lang="en-US" dirty="0"/>
           </a:p>
@@ -4003,6 +4005,347 @@
           <p:cNvPr id="2" name="Título 1">
             <a:extLst>
               <a:ext uri="{FF2B5EF4-FFF2-40B4-BE49-F238E27FC236}">
+                <a16:creationId xmlns:a16="http://schemas.microsoft.com/office/drawing/2014/main" id="{07F50890-2E53-184C-806D-5DFB68648DAD}"/>
+              </a:ext>
+            </a:extLst>
+          </p:cNvPr>
+          <p:cNvSpPr>
+            <a:spLocks noGrp="1"/>
+          </p:cNvSpPr>
+          <p:nvPr>
+            <p:ph type="title"/>
+          </p:nvPr>
+        </p:nvSpPr>
+        <p:spPr/>
+        <p:txBody>
+          <a:bodyPr/>
+          <a:lstStyle/>
+          <a:p>
+            <a:r>
+              <a:rPr lang="es-ES" dirty="0" err="1"/>
+              <a:t>Queues</a:t>
+            </a:r>
+            <a:endParaRPr lang="es-ES" dirty="0"/>
+          </a:p>
+        </p:txBody>
+      </p:sp>
+      <p:sp>
+        <p:nvSpPr>
+          <p:cNvPr id="3" name="CuadroTexto 2">
+            <a:extLst>
+              <a:ext uri="{FF2B5EF4-FFF2-40B4-BE49-F238E27FC236}">
+                <a16:creationId xmlns:a16="http://schemas.microsoft.com/office/drawing/2014/main" id="{C1016858-14C4-4F09-BFC5-2BEB9A436FCF}"/>
+              </a:ext>
+            </a:extLst>
+          </p:cNvPr>
+          <p:cNvSpPr txBox="1"/>
+          <p:nvPr/>
+        </p:nvSpPr>
+        <p:spPr>
+          <a:xfrm>
+            <a:off x="838200" y="1690688"/>
+            <a:ext cx="10515600" cy="923330"/>
+          </a:xfrm>
+          <a:prstGeom prst="rect">
+            <a:avLst/>
+          </a:prstGeom>
+          <a:noFill/>
+        </p:spPr>
+        <p:txBody>
+          <a:bodyPr wrap="square" rtlCol="0">
+            <a:spAutoFit/>
+          </a:bodyPr>
+          <a:lstStyle/>
+          <a:p>
+            <a:pPr algn="just"/>
+            <a:r>
+              <a:rPr lang="en-US" dirty="0">
+                <a:latin typeface="+mj-lt"/>
+              </a:rPr>
+              <a:t>Simplified messaging bus. Guarantees delivery but does not ensure the order. Messages expire after 7 days. It allows 80Gb for each queue and 64Kb for each message. It support </a:t>
+            </a:r>
+            <a:r>
+              <a:rPr lang="es-ES" dirty="0" err="1">
+                <a:latin typeface="+mj-lt"/>
+              </a:rPr>
+              <a:t>Get</a:t>
+            </a:r>
+            <a:r>
+              <a:rPr lang="es-ES" dirty="0">
+                <a:latin typeface="+mj-lt"/>
+              </a:rPr>
+              <a:t>, </a:t>
+            </a:r>
+            <a:r>
+              <a:rPr lang="es-ES" dirty="0" err="1">
+                <a:latin typeface="+mj-lt"/>
+              </a:rPr>
+              <a:t>Peek</a:t>
+            </a:r>
+            <a:r>
+              <a:rPr lang="es-ES" dirty="0">
+                <a:latin typeface="+mj-lt"/>
+              </a:rPr>
+              <a:t>, </a:t>
+            </a:r>
+            <a:r>
+              <a:rPr lang="es-ES" dirty="0" err="1">
+                <a:latin typeface="+mj-lt"/>
+              </a:rPr>
+              <a:t>Update</a:t>
+            </a:r>
+            <a:r>
+              <a:rPr lang="es-ES" dirty="0">
+                <a:latin typeface="+mj-lt"/>
+              </a:rPr>
+              <a:t> and </a:t>
+            </a:r>
+            <a:r>
+              <a:rPr lang="es-ES" dirty="0" err="1">
+                <a:latin typeface="+mj-lt"/>
+              </a:rPr>
+              <a:t>Delete</a:t>
+            </a:r>
+            <a:r>
+              <a:rPr lang="es-ES" dirty="0">
+                <a:latin typeface="+mj-lt"/>
+              </a:rPr>
+              <a:t> </a:t>
+            </a:r>
+            <a:r>
+              <a:rPr lang="es-ES" dirty="0" err="1">
+                <a:latin typeface="+mj-lt"/>
+              </a:rPr>
+              <a:t>operations</a:t>
+            </a:r>
+            <a:r>
+              <a:rPr lang="es-ES" dirty="0">
+                <a:latin typeface="+mj-lt"/>
+              </a:rPr>
+              <a:t>.</a:t>
+            </a:r>
+          </a:p>
+        </p:txBody>
+      </p:sp>
+      <p:sp>
+        <p:nvSpPr>
+          <p:cNvPr id="6" name="CuadroTexto 5">
+            <a:extLst>
+              <a:ext uri="{FF2B5EF4-FFF2-40B4-BE49-F238E27FC236}">
+                <a16:creationId xmlns:a16="http://schemas.microsoft.com/office/drawing/2014/main" id="{FFE0E7D1-D992-49BD-98FC-9D569237177A}"/>
+              </a:ext>
+            </a:extLst>
+          </p:cNvPr>
+          <p:cNvSpPr txBox="1"/>
+          <p:nvPr/>
+        </p:nvSpPr>
+        <p:spPr>
+          <a:xfrm>
+            <a:off x="1820666" y="5816976"/>
+            <a:ext cx="7529625" cy="369332"/>
+          </a:xfrm>
+          <a:prstGeom prst="rect">
+            <a:avLst/>
+          </a:prstGeom>
+          <a:noFill/>
+        </p:spPr>
+        <p:txBody>
+          <a:bodyPr wrap="none" rtlCol="0">
+            <a:spAutoFit/>
+          </a:bodyPr>
+          <a:lstStyle/>
+          <a:p>
+            <a:r>
+              <a:rPr lang="es-ES" dirty="0">
+                <a:latin typeface="+mj-lt"/>
+              </a:rPr>
+              <a:t>https://azure.microsoft.com/es-es/services/storage/queues/</a:t>
+            </a:r>
+          </a:p>
+        </p:txBody>
+      </p:sp>
+      <p:pic>
+        <p:nvPicPr>
+          <p:cNvPr id="7" name="Imagen 6" descr="Imagen que contiene crucigrama, interior, texto&#10;&#10;Descripción generada automáticamente">
+            <a:extLst>
+              <a:ext uri="{FF2B5EF4-FFF2-40B4-BE49-F238E27FC236}">
+                <a16:creationId xmlns:a16="http://schemas.microsoft.com/office/drawing/2014/main" id="{4900646D-0F8A-4FBB-A641-41E18FD289F9}"/>
+              </a:ext>
+            </a:extLst>
+          </p:cNvPr>
+          <p:cNvPicPr>
+            <a:picLocks noChangeAspect="1"/>
+          </p:cNvPicPr>
+          <p:nvPr/>
+        </p:nvPicPr>
+        <p:blipFill>
+          <a:blip r:embed="rId2"/>
+          <a:stretch>
+            <a:fillRect/>
+          </a:stretch>
+        </p:blipFill>
+        <p:spPr>
+          <a:xfrm>
+            <a:off x="838200" y="5510409"/>
+            <a:ext cx="982466" cy="982466"/>
+          </a:xfrm>
+          <a:prstGeom prst="rect">
+            <a:avLst/>
+          </a:prstGeom>
+        </p:spPr>
+      </p:pic>
+    </p:spTree>
+    <p:extLst>
+      <p:ext uri="{BB962C8B-B14F-4D97-AF65-F5344CB8AC3E}">
+        <p14:creationId xmlns:p14="http://schemas.microsoft.com/office/powerpoint/2010/main" val="2450381211"/>
+      </p:ext>
+    </p:extLst>
+  </p:cSld>
+  <p:clrMapOvr>
+    <a:masterClrMapping/>
+  </p:clrMapOvr>
+</p:sld>
+</file>
+
+<file path=ppt/slides/slide11.xml><?xml version="1.0" encoding="utf-8"?>
+<p:sld xmlns:a="http://schemas.openxmlformats.org/drawingml/2006/main" xmlns:r="http://schemas.openxmlformats.org/officeDocument/2006/relationships" xmlns:p="http://schemas.openxmlformats.org/presentationml/2006/main">
+  <p:cSld>
+    <p:spTree>
+      <p:nvGrpSpPr>
+        <p:cNvPr id="1" name=""/>
+        <p:cNvGrpSpPr/>
+        <p:nvPr/>
+      </p:nvGrpSpPr>
+      <p:grpSpPr>
+        <a:xfrm>
+          <a:off x="0" y="0"/>
+          <a:ext cx="0" cy="0"/>
+          <a:chOff x="0" y="0"/>
+          <a:chExt cx="0" cy="0"/>
+        </a:xfrm>
+      </p:grpSpPr>
+      <p:sp>
+        <p:nvSpPr>
+          <p:cNvPr id="2" name="Título 1">
+            <a:extLst>
+              <a:ext uri="{FF2B5EF4-FFF2-40B4-BE49-F238E27FC236}">
+                <a16:creationId xmlns:a16="http://schemas.microsoft.com/office/drawing/2014/main" id="{07F50890-2E53-184C-806D-5DFB68648DAD}"/>
+              </a:ext>
+            </a:extLst>
+          </p:cNvPr>
+          <p:cNvSpPr>
+            <a:spLocks noGrp="1"/>
+          </p:cNvSpPr>
+          <p:nvPr>
+            <p:ph type="title"/>
+          </p:nvPr>
+        </p:nvSpPr>
+        <p:spPr/>
+        <p:txBody>
+          <a:bodyPr/>
+          <a:lstStyle/>
+          <a:p>
+            <a:r>
+              <a:rPr lang="es-ES" dirty="0" err="1"/>
+              <a:t>Others</a:t>
+            </a:r>
+            <a:endParaRPr lang="es-ES" dirty="0"/>
+          </a:p>
+        </p:txBody>
+      </p:sp>
+      <p:sp>
+        <p:nvSpPr>
+          <p:cNvPr id="3" name="CuadroTexto 2">
+            <a:extLst>
+              <a:ext uri="{FF2B5EF4-FFF2-40B4-BE49-F238E27FC236}">
+                <a16:creationId xmlns:a16="http://schemas.microsoft.com/office/drawing/2014/main" id="{C1016858-14C4-4F09-BFC5-2BEB9A436FCF}"/>
+              </a:ext>
+            </a:extLst>
+          </p:cNvPr>
+          <p:cNvSpPr txBox="1"/>
+          <p:nvPr/>
+        </p:nvSpPr>
+        <p:spPr>
+          <a:xfrm>
+            <a:off x="838200" y="1690688"/>
+            <a:ext cx="10515600" cy="369332"/>
+          </a:xfrm>
+          <a:prstGeom prst="rect">
+            <a:avLst/>
+          </a:prstGeom>
+          <a:noFill/>
+        </p:spPr>
+        <p:txBody>
+          <a:bodyPr wrap="square" rtlCol="0">
+            <a:spAutoFit/>
+          </a:bodyPr>
+          <a:lstStyle/>
+          <a:p>
+            <a:pPr algn="just"/>
+            <a:r>
+              <a:rPr lang="es-ES" dirty="0">
+                <a:latin typeface="+mj-lt"/>
+              </a:rPr>
+              <a:t>Tables, Data Lake, Azure </a:t>
+            </a:r>
+            <a:r>
+              <a:rPr lang="es-ES" dirty="0" err="1">
+                <a:latin typeface="+mj-lt"/>
+              </a:rPr>
+              <a:t>Avere</a:t>
+            </a:r>
+            <a:r>
+              <a:rPr lang="es-ES" dirty="0">
+                <a:latin typeface="+mj-lt"/>
+              </a:rPr>
+              <a:t> </a:t>
+            </a:r>
+            <a:r>
+              <a:rPr lang="es-ES" dirty="0" err="1"/>
+              <a:t>vFXT</a:t>
+            </a:r>
+            <a:r>
+              <a:rPr lang="es-ES" dirty="0"/>
+              <a:t>.</a:t>
+            </a:r>
+          </a:p>
+        </p:txBody>
+      </p:sp>
+    </p:spTree>
+    <p:extLst>
+      <p:ext uri="{BB962C8B-B14F-4D97-AF65-F5344CB8AC3E}">
+        <p14:creationId xmlns:p14="http://schemas.microsoft.com/office/powerpoint/2010/main" val="3488021391"/>
+      </p:ext>
+    </p:extLst>
+  </p:cSld>
+  <p:clrMapOvr>
+    <a:masterClrMapping/>
+  </p:clrMapOvr>
+</p:sld>
+</file>
+
+<file path=ppt/slides/slide12.xml><?xml version="1.0" encoding="utf-8"?>
+<p:sld xmlns:a="http://schemas.openxmlformats.org/drawingml/2006/main" xmlns:r="http://schemas.openxmlformats.org/officeDocument/2006/relationships" xmlns:p="http://schemas.openxmlformats.org/presentationml/2006/main">
+  <p:cSld>
+    <p:spTree>
+      <p:nvGrpSpPr>
+        <p:cNvPr id="1" name=""/>
+        <p:cNvGrpSpPr/>
+        <p:nvPr/>
+      </p:nvGrpSpPr>
+      <p:grpSpPr>
+        <a:xfrm>
+          <a:off x="0" y="0"/>
+          <a:ext cx="0" cy="0"/>
+          <a:chOff x="0" y="0"/>
+          <a:chExt cx="0" cy="0"/>
+        </a:xfrm>
+      </p:grpSpPr>
+      <p:sp>
+        <p:nvSpPr>
+          <p:cNvPr id="2" name="Título 1">
+            <a:extLst>
+              <a:ext uri="{FF2B5EF4-FFF2-40B4-BE49-F238E27FC236}">
                 <a16:creationId xmlns:a16="http://schemas.microsoft.com/office/drawing/2014/main" id="{A4A189D6-5528-40B1-918C-AC0756AF3268}"/>
               </a:ext>
             </a:extLst>
@@ -5016,7 +5359,7 @@
 </p:sld>
 </file>
 
-<file path=ppt/slides/slide11.xml><?xml version="1.0" encoding="utf-8"?>
+<file path=ppt/slides/slide13.xml><?xml version="1.0" encoding="utf-8"?>
 <p:sld xmlns:a="http://schemas.openxmlformats.org/drawingml/2006/main" xmlns:r="http://schemas.openxmlformats.org/officeDocument/2006/relationships" xmlns:p="http://schemas.openxmlformats.org/presentationml/2006/main">
   <p:cSld>
     <p:spTree>
@@ -5190,7 +5533,7 @@
 </p:sld>
 </file>
 
-<file path=ppt/slides/slide12.xml><?xml version="1.0" encoding="utf-8"?>
+<file path=ppt/slides/slide14.xml><?xml version="1.0" encoding="utf-8"?>
 <p:sld xmlns:a="http://schemas.openxmlformats.org/drawingml/2006/main" xmlns:r="http://schemas.openxmlformats.org/officeDocument/2006/relationships" xmlns:p="http://schemas.openxmlformats.org/presentationml/2006/main">
   <p:cSld>
     <p:spTree>
@@ -5419,7 +5762,7 @@
 </p:sld>
 </file>
 
-<file path=ppt/slides/slide13.xml><?xml version="1.0" encoding="utf-8"?>
+<file path=ppt/slides/slide15.xml><?xml version="1.0" encoding="utf-8"?>
 <p:sld xmlns:a="http://schemas.openxmlformats.org/drawingml/2006/main" xmlns:r="http://schemas.openxmlformats.org/officeDocument/2006/relationships" xmlns:p="http://schemas.openxmlformats.org/presentationml/2006/main">
   <p:cSld>
     <p:spTree>
@@ -5542,6 +5885,444 @@
           <p:cNvPr id="2" name="Título 1">
             <a:extLst>
               <a:ext uri="{FF2B5EF4-FFF2-40B4-BE49-F238E27FC236}">
+                <a16:creationId xmlns:a16="http://schemas.microsoft.com/office/drawing/2014/main" id="{3A381365-0CDC-41C9-8AB0-7B0F5DA4499B}"/>
+              </a:ext>
+            </a:extLst>
+          </p:cNvPr>
+          <p:cNvSpPr>
+            <a:spLocks noGrp="1"/>
+          </p:cNvSpPr>
+          <p:nvPr>
+            <p:ph type="title"/>
+          </p:nvPr>
+        </p:nvSpPr>
+        <p:spPr/>
+        <p:txBody>
+          <a:bodyPr/>
+          <a:lstStyle/>
+          <a:p>
+            <a:r>
+              <a:rPr lang="es-ES" dirty="0" err="1"/>
+              <a:t>Compatibility</a:t>
+            </a:r>
+            <a:endParaRPr lang="es-ES" dirty="0"/>
+          </a:p>
+        </p:txBody>
+      </p:sp>
+      <p:sp>
+        <p:nvSpPr>
+          <p:cNvPr id="4" name="CuadroTexto 3">
+            <a:extLst>
+              <a:ext uri="{FF2B5EF4-FFF2-40B4-BE49-F238E27FC236}">
+                <a16:creationId xmlns:a16="http://schemas.microsoft.com/office/drawing/2014/main" id="{4AE86D88-E657-4FBA-97CA-1F3D2D86E1F5}"/>
+              </a:ext>
+            </a:extLst>
+          </p:cNvPr>
+          <p:cNvSpPr txBox="1"/>
+          <p:nvPr/>
+        </p:nvSpPr>
+        <p:spPr>
+          <a:xfrm>
+            <a:off x="838200" y="1690688"/>
+            <a:ext cx="10515600" cy="369332"/>
+          </a:xfrm>
+          <a:prstGeom prst="rect">
+            <a:avLst/>
+          </a:prstGeom>
+          <a:noFill/>
+        </p:spPr>
+        <p:txBody>
+          <a:bodyPr wrap="square" rtlCol="0">
+            <a:spAutoFit/>
+          </a:bodyPr>
+          <a:lstStyle/>
+          <a:p>
+            <a:pPr algn="just"/>
+            <a:r>
+              <a:rPr lang="es-ES" dirty="0" err="1">
+                <a:latin typeface="+mj-lt"/>
+              </a:rPr>
+              <a:t>Users</a:t>
+            </a:r>
+            <a:r>
+              <a:rPr lang="es-ES" dirty="0">
+                <a:latin typeface="+mj-lt"/>
+              </a:rPr>
+              <a:t> </a:t>
+            </a:r>
+            <a:r>
+              <a:rPr lang="es-ES" dirty="0" err="1">
+                <a:latin typeface="+mj-lt"/>
+              </a:rPr>
+              <a:t>or</a:t>
+            </a:r>
+            <a:r>
+              <a:rPr lang="es-ES" dirty="0">
+                <a:latin typeface="+mj-lt"/>
+              </a:rPr>
+              <a:t> </a:t>
+            </a:r>
+            <a:r>
+              <a:rPr lang="es-ES" dirty="0" err="1">
+                <a:latin typeface="+mj-lt"/>
+              </a:rPr>
+              <a:t>client</a:t>
+            </a:r>
+            <a:r>
+              <a:rPr lang="es-ES" dirty="0">
+                <a:latin typeface="+mj-lt"/>
+              </a:rPr>
+              <a:t> </a:t>
+            </a:r>
+            <a:r>
+              <a:rPr lang="es-ES" dirty="0" err="1">
+                <a:latin typeface="+mj-lt"/>
+              </a:rPr>
+              <a:t>applications</a:t>
+            </a:r>
+            <a:r>
+              <a:rPr lang="es-ES" dirty="0">
+                <a:latin typeface="+mj-lt"/>
+              </a:rPr>
+              <a:t> can </a:t>
+            </a:r>
+            <a:r>
+              <a:rPr lang="es-ES" dirty="0" err="1">
+                <a:latin typeface="+mj-lt"/>
+              </a:rPr>
+              <a:t>access</a:t>
+            </a:r>
+            <a:r>
+              <a:rPr lang="es-ES" dirty="0">
+                <a:latin typeface="+mj-lt"/>
+              </a:rPr>
+              <a:t> </a:t>
+            </a:r>
+            <a:r>
+              <a:rPr lang="es-ES" dirty="0" err="1">
+                <a:latin typeface="+mj-lt"/>
+              </a:rPr>
+              <a:t>to</a:t>
+            </a:r>
+            <a:r>
+              <a:rPr lang="es-ES" dirty="0">
+                <a:latin typeface="+mj-lt"/>
+              </a:rPr>
+              <a:t> Azure Storage </a:t>
+            </a:r>
+            <a:r>
+              <a:rPr lang="es-ES" dirty="0" err="1">
+                <a:latin typeface="+mj-lt"/>
+              </a:rPr>
+              <a:t>objects</a:t>
+            </a:r>
+            <a:r>
+              <a:rPr lang="es-ES" dirty="0">
+                <a:latin typeface="+mj-lt"/>
+              </a:rPr>
+              <a:t> </a:t>
+            </a:r>
+            <a:r>
+              <a:rPr lang="es-ES" dirty="0" err="1">
+                <a:latin typeface="+mj-lt"/>
+              </a:rPr>
+              <a:t>via</a:t>
+            </a:r>
+            <a:r>
+              <a:rPr lang="es-ES" dirty="0">
+                <a:latin typeface="+mj-lt"/>
+              </a:rPr>
+              <a:t>:</a:t>
+            </a:r>
+          </a:p>
+        </p:txBody>
+      </p:sp>
+      <p:sp>
+        <p:nvSpPr>
+          <p:cNvPr id="5" name="CuadroTexto 4">
+            <a:extLst>
+              <a:ext uri="{FF2B5EF4-FFF2-40B4-BE49-F238E27FC236}">
+                <a16:creationId xmlns:a16="http://schemas.microsoft.com/office/drawing/2014/main" id="{83C69097-694B-46A8-A6CB-58A035720822}"/>
+              </a:ext>
+            </a:extLst>
+          </p:cNvPr>
+          <p:cNvSpPr txBox="1"/>
+          <p:nvPr/>
+        </p:nvSpPr>
+        <p:spPr>
+          <a:xfrm>
+            <a:off x="838200" y="2139088"/>
+            <a:ext cx="10515600" cy="1200329"/>
+          </a:xfrm>
+          <a:prstGeom prst="rect">
+            <a:avLst/>
+          </a:prstGeom>
+          <a:noFill/>
+        </p:spPr>
+        <p:txBody>
+          <a:bodyPr wrap="square" rtlCol="0">
+            <a:spAutoFit/>
+          </a:bodyPr>
+          <a:lstStyle/>
+          <a:p>
+            <a:pPr indent="-285750" algn="just">
+              <a:buFont typeface="Arial" panose="020B0604020202020204" pitchFamily="34" charset="0"/>
+              <a:buChar char="•"/>
+            </a:pPr>
+            <a:r>
+              <a:rPr lang="es-ES" dirty="0">
+                <a:latin typeface="+mj-lt"/>
+                <a:hlinkClick r:id="rId2">
+                  <a:extLst>
+                    <a:ext uri="{A12FA001-AC4F-418D-AE19-62706E023703}">
+                      <ahyp:hlinkClr xmlns:ahyp="http://schemas.microsoft.com/office/drawing/2018/hyperlinkcolor" val="tx"/>
+                    </a:ext>
+                  </a:extLst>
+                </a:hlinkClick>
+              </a:rPr>
+              <a:t>Azure Storage REST API</a:t>
+            </a:r>
+            <a:endParaRPr lang="es-ES" dirty="0">
+              <a:latin typeface="+mj-lt"/>
+            </a:endParaRPr>
+          </a:p>
+          <a:p>
+            <a:pPr indent="-285750" algn="just">
+              <a:buFont typeface="Arial" panose="020B0604020202020204" pitchFamily="34" charset="0"/>
+              <a:buChar char="•"/>
+            </a:pPr>
+            <a:r>
+              <a:rPr lang="es-ES" dirty="0">
+                <a:latin typeface="+mj-lt"/>
+                <a:hlinkClick r:id="rId3">
+                  <a:extLst>
+                    <a:ext uri="{A12FA001-AC4F-418D-AE19-62706E023703}">
+                      <ahyp:hlinkClr xmlns:ahyp="http://schemas.microsoft.com/office/drawing/2018/hyperlinkcolor" val="tx"/>
+                    </a:ext>
+                  </a:extLst>
+                </a:hlinkClick>
+              </a:rPr>
+              <a:t>Azure PowerShell</a:t>
+            </a:r>
+            <a:endParaRPr lang="es-ES" dirty="0">
+              <a:latin typeface="+mj-lt"/>
+            </a:endParaRPr>
+          </a:p>
+          <a:p>
+            <a:pPr indent="-285750" algn="just">
+              <a:buFont typeface="Arial" panose="020B0604020202020204" pitchFamily="34" charset="0"/>
+              <a:buChar char="•"/>
+            </a:pPr>
+            <a:r>
+              <a:rPr lang="es-ES" dirty="0">
+                <a:latin typeface="+mj-lt"/>
+                <a:hlinkClick r:id="rId4">
+                  <a:extLst>
+                    <a:ext uri="{A12FA001-AC4F-418D-AE19-62706E023703}">
+                      <ahyp:hlinkClr xmlns:ahyp="http://schemas.microsoft.com/office/drawing/2018/hyperlinkcolor" val="tx"/>
+                    </a:ext>
+                  </a:extLst>
+                </a:hlinkClick>
+              </a:rPr>
+              <a:t>Azure CLI</a:t>
+            </a:r>
+            <a:endParaRPr lang="es-ES" dirty="0">
+              <a:latin typeface="+mj-lt"/>
+            </a:endParaRPr>
+          </a:p>
+          <a:p>
+            <a:pPr indent="-285750" algn="just">
+              <a:buFont typeface="Arial" panose="020B0604020202020204" pitchFamily="34" charset="0"/>
+              <a:buChar char="•"/>
+            </a:pPr>
+            <a:r>
+              <a:rPr lang="es-ES" dirty="0" err="1">
+                <a:latin typeface="+mj-lt"/>
+              </a:rPr>
+              <a:t>From</a:t>
+            </a:r>
+            <a:r>
+              <a:rPr lang="es-ES" dirty="0">
+                <a:latin typeface="+mj-lt"/>
+              </a:rPr>
+              <a:t> Azure Storage </a:t>
+            </a:r>
+            <a:r>
+              <a:rPr lang="es-ES" dirty="0" err="1">
+                <a:latin typeface="+mj-lt"/>
+              </a:rPr>
+              <a:t>client</a:t>
+            </a:r>
+            <a:r>
+              <a:rPr lang="es-ES" dirty="0">
+                <a:latin typeface="+mj-lt"/>
+              </a:rPr>
+              <a:t> </a:t>
+            </a:r>
+            <a:r>
+              <a:rPr lang="es-ES" dirty="0" err="1">
+                <a:latin typeface="+mj-lt"/>
+              </a:rPr>
+              <a:t>library</a:t>
+            </a:r>
+            <a:r>
+              <a:rPr lang="es-ES" dirty="0">
+                <a:latin typeface="+mj-lt"/>
+              </a:rPr>
+              <a:t> (</a:t>
+            </a:r>
+            <a:r>
+              <a:rPr lang="es-ES" dirty="0">
+                <a:latin typeface="+mj-lt"/>
+                <a:hlinkClick r:id="rId5">
+                  <a:extLst>
+                    <a:ext uri="{A12FA001-AC4F-418D-AE19-62706E023703}">
+                      <ahyp:hlinkClr xmlns:ahyp="http://schemas.microsoft.com/office/drawing/2018/hyperlinkcolor" val="tx"/>
+                    </a:ext>
+                  </a:extLst>
+                </a:hlinkClick>
+              </a:rPr>
+              <a:t>.NET</a:t>
+            </a:r>
+            <a:r>
+              <a:rPr lang="es-ES" dirty="0">
+                <a:latin typeface="+mj-lt"/>
+              </a:rPr>
+              <a:t>, </a:t>
+            </a:r>
+            <a:r>
+              <a:rPr lang="es-ES" dirty="0">
+                <a:latin typeface="+mj-lt"/>
+                <a:hlinkClick r:id="rId6">
+                  <a:extLst>
+                    <a:ext uri="{A12FA001-AC4F-418D-AE19-62706E023703}">
+                      <ahyp:hlinkClr xmlns:ahyp="http://schemas.microsoft.com/office/drawing/2018/hyperlinkcolor" val="tx"/>
+                    </a:ext>
+                  </a:extLst>
+                </a:hlinkClick>
+              </a:rPr>
+              <a:t>Java</a:t>
+            </a:r>
+            <a:r>
+              <a:rPr lang="es-ES" dirty="0">
+                <a:latin typeface="+mj-lt"/>
+              </a:rPr>
+              <a:t>, </a:t>
+            </a:r>
+            <a:r>
+              <a:rPr lang="es-ES" dirty="0">
+                <a:latin typeface="+mj-lt"/>
+                <a:hlinkClick r:id="rId7">
+                  <a:extLst>
+                    <a:ext uri="{A12FA001-AC4F-418D-AE19-62706E023703}">
+                      <ahyp:hlinkClr xmlns:ahyp="http://schemas.microsoft.com/office/drawing/2018/hyperlinkcolor" val="tx"/>
+                    </a:ext>
+                  </a:extLst>
+                </a:hlinkClick>
+              </a:rPr>
+              <a:t>Node.js</a:t>
+            </a:r>
+            <a:r>
+              <a:rPr lang="es-ES" dirty="0">
+                <a:latin typeface="+mj-lt"/>
+              </a:rPr>
+              <a:t>, </a:t>
+            </a:r>
+            <a:r>
+              <a:rPr lang="es-ES" dirty="0">
+                <a:latin typeface="+mj-lt"/>
+                <a:hlinkClick r:id="rId8">
+                  <a:extLst>
+                    <a:ext uri="{A12FA001-AC4F-418D-AE19-62706E023703}">
+                      <ahyp:hlinkClr xmlns:ahyp="http://schemas.microsoft.com/office/drawing/2018/hyperlinkcolor" val="tx"/>
+                    </a:ext>
+                  </a:extLst>
+                </a:hlinkClick>
+              </a:rPr>
+              <a:t>Python</a:t>
+            </a:r>
+            <a:r>
+              <a:rPr lang="es-ES" dirty="0">
+                <a:latin typeface="+mj-lt"/>
+              </a:rPr>
+              <a:t>, </a:t>
+            </a:r>
+            <a:r>
+              <a:rPr lang="es-ES" dirty="0">
+                <a:latin typeface="+mj-lt"/>
+                <a:hlinkClick r:id="rId9">
+                  <a:extLst>
+                    <a:ext uri="{A12FA001-AC4F-418D-AE19-62706E023703}">
+                      <ahyp:hlinkClr xmlns:ahyp="http://schemas.microsoft.com/office/drawing/2018/hyperlinkcolor" val="tx"/>
+                    </a:ext>
+                  </a:extLst>
+                </a:hlinkClick>
+              </a:rPr>
+              <a:t>PHP</a:t>
+            </a:r>
+            <a:r>
+              <a:rPr lang="es-ES" dirty="0">
+                <a:latin typeface="+mj-lt"/>
+              </a:rPr>
+              <a:t>, and </a:t>
+            </a:r>
+            <a:r>
+              <a:rPr lang="es-ES" dirty="0">
+                <a:latin typeface="+mj-lt"/>
+                <a:hlinkClick r:id="rId10">
+                  <a:extLst>
+                    <a:ext uri="{A12FA001-AC4F-418D-AE19-62706E023703}">
+                      <ahyp:hlinkClr xmlns:ahyp="http://schemas.microsoft.com/office/drawing/2018/hyperlinkcolor" val="tx"/>
+                    </a:ext>
+                  </a:extLst>
+                </a:hlinkClick>
+              </a:rPr>
+              <a:t>Ruby</a:t>
+            </a:r>
+            <a:r>
+              <a:rPr lang="es-ES" dirty="0">
+                <a:latin typeface="+mj-lt"/>
+              </a:rPr>
+              <a:t>).</a:t>
+            </a:r>
+          </a:p>
+        </p:txBody>
+      </p:sp>
+    </p:spTree>
+    <p:extLst>
+      <p:ext uri="{BB962C8B-B14F-4D97-AF65-F5344CB8AC3E}">
+        <p14:creationId xmlns:p14="http://schemas.microsoft.com/office/powerpoint/2010/main" val="3880382620"/>
+      </p:ext>
+    </p:extLst>
+  </p:cSld>
+  <p:clrMapOvr>
+    <a:masterClrMapping/>
+  </p:clrMapOvr>
+</p:sld>
+</file>
+
+<file path=ppt/slides/slide3.xml><?xml version="1.0" encoding="utf-8"?>
+<p:sld xmlns:a="http://schemas.openxmlformats.org/drawingml/2006/main" xmlns:r="http://schemas.openxmlformats.org/officeDocument/2006/relationships" xmlns:p="http://schemas.openxmlformats.org/presentationml/2006/main">
+  <p:cSld>
+    <p:spTree>
+      <p:nvGrpSpPr>
+        <p:cNvPr id="1" name=""/>
+        <p:cNvGrpSpPr/>
+        <p:nvPr/>
+      </p:nvGrpSpPr>
+      <p:grpSpPr>
+        <a:xfrm>
+          <a:off x="0" y="0"/>
+          <a:ext cx="0" cy="0"/>
+          <a:chOff x="0" y="0"/>
+          <a:chExt cx="0" cy="0"/>
+        </a:xfrm>
+      </p:grpSpPr>
+      <p:sp>
+        <p:nvSpPr>
+          <p:cNvPr id="2" name="Título 1">
+            <a:extLst>
+              <a:ext uri="{FF2B5EF4-FFF2-40B4-BE49-F238E27FC236}">
                 <a16:creationId xmlns:a16="http://schemas.microsoft.com/office/drawing/2014/main" id="{F1CB4FAE-B820-4586-85A0-A99727F978F7}"/>
               </a:ext>
             </a:extLst>
@@ -6115,7 +6896,7 @@
 </p:sld>
 </file>
 
-<file path=ppt/slides/slide3.xml><?xml version="1.0" encoding="utf-8"?>
+<file path=ppt/slides/slide4.xml><?xml version="1.0" encoding="utf-8"?>
 <p:sld xmlns:a="http://schemas.openxmlformats.org/drawingml/2006/main" xmlns:r="http://schemas.openxmlformats.org/officeDocument/2006/relationships" xmlns:p="http://schemas.openxmlformats.org/presentationml/2006/main">
   <p:cSld>
     <p:spTree>
@@ -6187,7 +6968,375 @@
 </p:sld>
 </file>
 
-<file path=ppt/slides/slide4.xml><?xml version="1.0" encoding="utf-8"?>
+<file path=ppt/slides/slide5.xml><?xml version="1.0" encoding="utf-8"?>
+<p:sld xmlns:a="http://schemas.openxmlformats.org/drawingml/2006/main" xmlns:r="http://schemas.openxmlformats.org/officeDocument/2006/relationships" xmlns:p="http://schemas.openxmlformats.org/presentationml/2006/main">
+  <p:cSld>
+    <p:spTree>
+      <p:nvGrpSpPr>
+        <p:cNvPr id="1" name=""/>
+        <p:cNvGrpSpPr/>
+        <p:nvPr/>
+      </p:nvGrpSpPr>
+      <p:grpSpPr>
+        <a:xfrm>
+          <a:off x="0" y="0"/>
+          <a:ext cx="0" cy="0"/>
+          <a:chOff x="0" y="0"/>
+          <a:chExt cx="0" cy="0"/>
+        </a:xfrm>
+      </p:grpSpPr>
+      <p:sp>
+        <p:nvSpPr>
+          <p:cNvPr id="2" name="Título 1">
+            <a:extLst>
+              <a:ext uri="{FF2B5EF4-FFF2-40B4-BE49-F238E27FC236}">
+                <a16:creationId xmlns:a16="http://schemas.microsoft.com/office/drawing/2014/main" id="{F1CB4FAE-B820-4586-85A0-A99727F978F7}"/>
+              </a:ext>
+            </a:extLst>
+          </p:cNvPr>
+          <p:cNvSpPr>
+            <a:spLocks noGrp="1"/>
+          </p:cNvSpPr>
+          <p:nvPr>
+            <p:ph type="title"/>
+          </p:nvPr>
+        </p:nvSpPr>
+        <p:spPr/>
+        <p:txBody>
+          <a:bodyPr/>
+          <a:lstStyle/>
+          <a:p>
+            <a:r>
+              <a:rPr lang="es-ES" dirty="0"/>
+              <a:t>Access </a:t>
+            </a:r>
+            <a:r>
+              <a:rPr lang="es-ES" dirty="0" err="1"/>
+              <a:t>tier</a:t>
+            </a:r>
+            <a:endParaRPr lang="es-ES" dirty="0"/>
+          </a:p>
+        </p:txBody>
+      </p:sp>
+      <p:graphicFrame>
+        <p:nvGraphicFramePr>
+          <p:cNvPr id="4" name="Tabla 3">
+            <a:extLst>
+              <a:ext uri="{FF2B5EF4-FFF2-40B4-BE49-F238E27FC236}">
+                <a16:creationId xmlns:a16="http://schemas.microsoft.com/office/drawing/2014/main" id="{9C098FAE-E7C2-45EA-8B33-6F5EA93B7421}"/>
+              </a:ext>
+            </a:extLst>
+          </p:cNvPr>
+          <p:cNvGraphicFramePr>
+            <a:graphicFrameLocks noGrp="1"/>
+          </p:cNvGraphicFramePr>
+          <p:nvPr>
+            <p:extLst>
+              <p:ext uri="{D42A27DB-BD31-4B8C-83A1-F6EECF244321}">
+                <p14:modId xmlns:p14="http://schemas.microsoft.com/office/powerpoint/2010/main" val="644049119"/>
+              </p:ext>
+            </p:extLst>
+          </p:nvPr>
+        </p:nvGraphicFramePr>
+        <p:xfrm>
+          <a:off x="838199" y="1825625"/>
+          <a:ext cx="10515600" cy="2594364"/>
+        </p:xfrm>
+        <a:graphic>
+          <a:graphicData uri="http://schemas.openxmlformats.org/drawingml/2006/table">
+            <a:tbl>
+              <a:tblPr firstRow="1" bandRow="1">
+                <a:tableStyleId>{793D81CF-94F2-401A-BA57-92F5A7B2D0C5}</a:tableStyleId>
+              </a:tblPr>
+              <a:tblGrid>
+                <a:gridCol w="3505200">
+                  <a:extLst>
+                    <a:ext uri="{9D8B030D-6E8A-4147-A177-3AD203B41FA5}">
+                      <a16:colId xmlns:a16="http://schemas.microsoft.com/office/drawing/2014/main" val="1285246750"/>
+                    </a:ext>
+                  </a:extLst>
+                </a:gridCol>
+                <a:gridCol w="3505200">
+                  <a:extLst>
+                    <a:ext uri="{9D8B030D-6E8A-4147-A177-3AD203B41FA5}">
+                      <a16:colId xmlns:a16="http://schemas.microsoft.com/office/drawing/2014/main" val="465827777"/>
+                    </a:ext>
+                  </a:extLst>
+                </a:gridCol>
+                <a:gridCol w="3505200">
+                  <a:extLst>
+                    <a:ext uri="{9D8B030D-6E8A-4147-A177-3AD203B41FA5}">
+                      <a16:colId xmlns:a16="http://schemas.microsoft.com/office/drawing/2014/main" val="3542767477"/>
+                    </a:ext>
+                  </a:extLst>
+                </a:gridCol>
+              </a:tblGrid>
+              <a:tr h="582684">
+                <a:tc>
+                  <a:txBody>
+                    <a:bodyPr/>
+                    <a:lstStyle/>
+                    <a:p>
+                      <a:pPr fontAlgn="base"/>
+                      <a:r>
+                        <a:rPr lang="es-ES" sz="1600" b="0" i="0" kern="1200" dirty="0">
+                          <a:solidFill>
+                            <a:schemeClr val="lt1"/>
+                          </a:solidFill>
+                          <a:effectLst/>
+                          <a:latin typeface="+mj-lt"/>
+                          <a:ea typeface="+mn-ea"/>
+                          <a:cs typeface="+mn-cs"/>
+                        </a:rPr>
+                        <a:t>Hot</a:t>
+                      </a:r>
+                      <a:endParaRPr lang="es-ES" sz="1600" b="1" i="0" kern="1200" dirty="0">
+                        <a:solidFill>
+                          <a:schemeClr val="lt1"/>
+                        </a:solidFill>
+                        <a:effectLst/>
+                        <a:latin typeface="+mj-lt"/>
+                        <a:ea typeface="+mn-ea"/>
+                        <a:cs typeface="+mn-cs"/>
+                      </a:endParaRPr>
+                    </a:p>
+                  </a:txBody>
+                  <a:tcPr/>
+                </a:tc>
+                <a:tc>
+                  <a:txBody>
+                    <a:bodyPr/>
+                    <a:lstStyle/>
+                    <a:p>
+                      <a:pPr fontAlgn="base"/>
+                      <a:r>
+                        <a:rPr lang="es-ES" sz="1600" b="0" i="0" kern="1200" dirty="0" err="1">
+                          <a:solidFill>
+                            <a:schemeClr val="lt1"/>
+                          </a:solidFill>
+                          <a:effectLst/>
+                          <a:latin typeface="+mj-lt"/>
+                          <a:ea typeface="+mn-ea"/>
+                          <a:cs typeface="+mn-cs"/>
+                        </a:rPr>
+                        <a:t>Cold</a:t>
+                      </a:r>
+                      <a:endParaRPr lang="es-ES" sz="1600" b="1" i="0" kern="1200" dirty="0">
+                        <a:solidFill>
+                          <a:schemeClr val="lt1"/>
+                        </a:solidFill>
+                        <a:effectLst/>
+                        <a:latin typeface="+mj-lt"/>
+                        <a:ea typeface="+mn-ea"/>
+                        <a:cs typeface="+mn-cs"/>
+                      </a:endParaRPr>
+                    </a:p>
+                  </a:txBody>
+                  <a:tcPr/>
+                </a:tc>
+                <a:tc>
+                  <a:txBody>
+                    <a:bodyPr/>
+                    <a:lstStyle/>
+                    <a:p>
+                      <a:r>
+                        <a:rPr lang="es-ES" sz="1600" b="0" i="0" dirty="0">
+                          <a:latin typeface="+mj-lt"/>
+                        </a:rPr>
+                        <a:t>Archive</a:t>
+                      </a:r>
+                      <a:endParaRPr lang="es-ES" sz="1600" b="1" i="0" dirty="0">
+                        <a:latin typeface="+mj-lt"/>
+                      </a:endParaRPr>
+                    </a:p>
+                  </a:txBody>
+                  <a:tcPr/>
+                </a:tc>
+                <a:extLst>
+                  <a:ext uri="{0D108BD9-81ED-4DB2-BD59-A6C34878D82A}">
+                    <a16:rowId xmlns:a16="http://schemas.microsoft.com/office/drawing/2014/main" val="4234908478"/>
+                  </a:ext>
+                </a:extLst>
+              </a:tr>
+              <a:tr h="1331848">
+                <a:tc>
+                  <a:txBody>
+                    <a:bodyPr/>
+                    <a:lstStyle/>
+                    <a:p>
+                      <a:pPr marL="0" algn="l" defTabSz="457200" rtl="0" eaLnBrk="1" latinLnBrk="0" hangingPunct="1"/>
+                      <a:r>
+                        <a:rPr lang="en-US" sz="1800" kern="1200" dirty="0">
+                          <a:solidFill>
+                            <a:schemeClr val="tx1"/>
+                          </a:solidFill>
+                          <a:latin typeface="+mj-lt"/>
+                          <a:ea typeface="+mn-ea"/>
+                          <a:cs typeface="+mn-cs"/>
+                        </a:rPr>
+                        <a:t>Is optimized for storing data that is accessed frequently.</a:t>
+                      </a:r>
+                      <a:endParaRPr lang="es-ES" sz="1800" kern="1200" dirty="0">
+                        <a:solidFill>
+                          <a:schemeClr val="tx1"/>
+                        </a:solidFill>
+                        <a:latin typeface="+mj-lt"/>
+                        <a:ea typeface="+mn-ea"/>
+                        <a:cs typeface="+mn-cs"/>
+                      </a:endParaRPr>
+                    </a:p>
+                  </a:txBody>
+                  <a:tcPr/>
+                </a:tc>
+                <a:tc>
+                  <a:txBody>
+                    <a:bodyPr/>
+                    <a:lstStyle/>
+                    <a:p>
+                      <a:pPr marL="0" algn="l" defTabSz="457200" rtl="0" eaLnBrk="1" latinLnBrk="0" hangingPunct="1"/>
+                      <a:r>
+                        <a:rPr lang="en-US" sz="1800" kern="1200" dirty="0">
+                          <a:solidFill>
+                            <a:schemeClr val="tx1"/>
+                          </a:solidFill>
+                          <a:latin typeface="+mj-lt"/>
+                          <a:ea typeface="+mn-ea"/>
+                          <a:cs typeface="+mn-cs"/>
+                        </a:rPr>
+                        <a:t>is optimized for storing data that is infrequently accessed and stored for at least 30 days.</a:t>
+                      </a:r>
+                      <a:endParaRPr lang="es-ES" sz="1800" kern="1200" dirty="0">
+                        <a:solidFill>
+                          <a:schemeClr val="tx1"/>
+                        </a:solidFill>
+                        <a:latin typeface="+mj-lt"/>
+                        <a:ea typeface="+mn-ea"/>
+                        <a:cs typeface="+mn-cs"/>
+                      </a:endParaRPr>
+                    </a:p>
+                  </a:txBody>
+                  <a:tcPr/>
+                </a:tc>
+                <a:tc>
+                  <a:txBody>
+                    <a:bodyPr/>
+                    <a:lstStyle/>
+                    <a:p>
+                      <a:pPr marL="0" algn="l" defTabSz="457200" rtl="0" eaLnBrk="1" latinLnBrk="0" hangingPunct="1"/>
+                      <a:r>
+                        <a:rPr lang="en-US" sz="1800" kern="1200" dirty="0">
+                          <a:solidFill>
+                            <a:schemeClr val="tx1"/>
+                          </a:solidFill>
+                          <a:latin typeface="+mj-lt"/>
+                          <a:ea typeface="+mn-ea"/>
+                          <a:cs typeface="+mn-cs"/>
+                        </a:rPr>
+                        <a:t>is optimized for storing data that is rarely accessed and stored for at least 180 days with flexible latency requirements (up to 15 hours)</a:t>
+                      </a:r>
+                      <a:endParaRPr lang="es-ES" sz="1800" kern="1200" dirty="0">
+                        <a:solidFill>
+                          <a:schemeClr val="tx1"/>
+                        </a:solidFill>
+                        <a:latin typeface="+mj-lt"/>
+                        <a:ea typeface="+mn-ea"/>
+                        <a:cs typeface="+mn-cs"/>
+                      </a:endParaRPr>
+                    </a:p>
+                  </a:txBody>
+                  <a:tcPr/>
+                </a:tc>
+                <a:extLst>
+                  <a:ext uri="{0D108BD9-81ED-4DB2-BD59-A6C34878D82A}">
+                    <a16:rowId xmlns:a16="http://schemas.microsoft.com/office/drawing/2014/main" val="93696454"/>
+                  </a:ext>
+                </a:extLst>
+              </a:tr>
+            </a:tbl>
+          </a:graphicData>
+        </a:graphic>
+      </p:graphicFrame>
+      <p:sp>
+        <p:nvSpPr>
+          <p:cNvPr id="7" name="CuadroTexto 6">
+            <a:extLst>
+              <a:ext uri="{FF2B5EF4-FFF2-40B4-BE49-F238E27FC236}">
+                <a16:creationId xmlns:a16="http://schemas.microsoft.com/office/drawing/2014/main" id="{8D81CB66-3B21-4BEC-9B07-2DA471061DC5}"/>
+              </a:ext>
+            </a:extLst>
+          </p:cNvPr>
+          <p:cNvSpPr txBox="1"/>
+          <p:nvPr/>
+        </p:nvSpPr>
+        <p:spPr>
+          <a:xfrm>
+            <a:off x="1837679" y="5808470"/>
+            <a:ext cx="10189008" cy="369332"/>
+          </a:xfrm>
+          <a:prstGeom prst="rect">
+            <a:avLst/>
+          </a:prstGeom>
+          <a:noFill/>
+        </p:spPr>
+        <p:txBody>
+          <a:bodyPr wrap="none" rtlCol="0">
+            <a:spAutoFit/>
+          </a:bodyPr>
+          <a:lstStyle/>
+          <a:p>
+            <a:r>
+              <a:rPr lang="es-ES" dirty="0">
+                <a:latin typeface="+mj-lt"/>
+              </a:rPr>
+              <a:t>https://docs.microsoft.com/en-us/azure/storage/blobs/storage-blob-storage-tiers</a:t>
+            </a:r>
+          </a:p>
+        </p:txBody>
+      </p:sp>
+      <p:pic>
+        <p:nvPicPr>
+          <p:cNvPr id="5" name="Imagen 4" descr="Imagen que contiene texto, crucigrama, interior, negro&#10;&#10;Descripción generada automáticamente">
+            <a:extLst>
+              <a:ext uri="{FF2B5EF4-FFF2-40B4-BE49-F238E27FC236}">
+                <a16:creationId xmlns:a16="http://schemas.microsoft.com/office/drawing/2014/main" id="{2696018B-754B-46BB-9741-9B4BC4D43E70}"/>
+              </a:ext>
+            </a:extLst>
+          </p:cNvPr>
+          <p:cNvPicPr>
+            <a:picLocks noChangeAspect="1"/>
+          </p:cNvPicPr>
+          <p:nvPr/>
+        </p:nvPicPr>
+        <p:blipFill>
+          <a:blip r:embed="rId2"/>
+          <a:stretch>
+            <a:fillRect/>
+          </a:stretch>
+        </p:blipFill>
+        <p:spPr>
+          <a:xfrm>
+            <a:off x="838200" y="5493397"/>
+            <a:ext cx="999478" cy="999478"/>
+          </a:xfrm>
+          <a:prstGeom prst="rect">
+            <a:avLst/>
+          </a:prstGeom>
+        </p:spPr>
+      </p:pic>
+    </p:spTree>
+    <p:extLst>
+      <p:ext uri="{BB962C8B-B14F-4D97-AF65-F5344CB8AC3E}">
+        <p14:creationId xmlns:p14="http://schemas.microsoft.com/office/powerpoint/2010/main" val="2974729225"/>
+      </p:ext>
+    </p:extLst>
+  </p:cSld>
+  <p:clrMapOvr>
+    <a:masterClrMapping/>
+  </p:clrMapOvr>
+</p:sld>
+</file>
+
+<file path=ppt/slides/slide6.xml><?xml version="1.0" encoding="utf-8"?>
 <p:sld xmlns:a="http://schemas.openxmlformats.org/drawingml/2006/main" xmlns:r="http://schemas.openxmlformats.org/officeDocument/2006/relationships" xmlns:p="http://schemas.openxmlformats.org/presentationml/2006/main">
   <p:cSld>
     <p:spTree>
@@ -6469,7 +7618,7 @@
 </p:sld>
 </file>
 
-<file path=ppt/slides/slide5.xml><?xml version="1.0" encoding="utf-8"?>
+<file path=ppt/slides/slide7.xml><?xml version="1.0" encoding="utf-8"?>
 <p:sld xmlns:a="http://schemas.openxmlformats.org/drawingml/2006/main" xmlns:r="http://schemas.openxmlformats.org/officeDocument/2006/relationships" xmlns:p="http://schemas.openxmlformats.org/presentationml/2006/main">
   <p:cSld>
     <p:spTree>
@@ -6751,7 +7900,7 @@
 </p:sld>
 </file>
 
-<file path=ppt/slides/slide6.xml><?xml version="1.0" encoding="utf-8"?>
+<file path=ppt/slides/slide8.xml><?xml version="1.0" encoding="utf-8"?>
 <p:sld xmlns:a="http://schemas.openxmlformats.org/drawingml/2006/main" xmlns:r="http://schemas.openxmlformats.org/officeDocument/2006/relationships" xmlns:p="http://schemas.openxmlformats.org/presentationml/2006/main">
   <p:cSld>
     <p:spTree>
@@ -6917,7 +8066,7 @@
 </p:sld>
 </file>
 
-<file path=ppt/slides/slide7.xml><?xml version="1.0" encoding="utf-8"?>
+<file path=ppt/slides/slide9.xml><?xml version="1.0" encoding="utf-8"?>
 <p:sld xmlns:a="http://schemas.openxmlformats.org/drawingml/2006/main" xmlns:r="http://schemas.openxmlformats.org/officeDocument/2006/relationships" xmlns:p="http://schemas.openxmlformats.org/presentationml/2006/main">
   <p:cSld>
     <p:spTree>
@@ -7316,347 +8465,6 @@
     <p:extLst>
       <p:ext uri="{BB962C8B-B14F-4D97-AF65-F5344CB8AC3E}">
         <p14:creationId xmlns:p14="http://schemas.microsoft.com/office/powerpoint/2010/main" val="2444330899"/>
-      </p:ext>
-    </p:extLst>
-  </p:cSld>
-  <p:clrMapOvr>
-    <a:masterClrMapping/>
-  </p:clrMapOvr>
-</p:sld>
-</file>
-
-<file path=ppt/slides/slide8.xml><?xml version="1.0" encoding="utf-8"?>
-<p:sld xmlns:a="http://schemas.openxmlformats.org/drawingml/2006/main" xmlns:r="http://schemas.openxmlformats.org/officeDocument/2006/relationships" xmlns:p="http://schemas.openxmlformats.org/presentationml/2006/main">
-  <p:cSld>
-    <p:spTree>
-      <p:nvGrpSpPr>
-        <p:cNvPr id="1" name=""/>
-        <p:cNvGrpSpPr/>
-        <p:nvPr/>
-      </p:nvGrpSpPr>
-      <p:grpSpPr>
-        <a:xfrm>
-          <a:off x="0" y="0"/>
-          <a:ext cx="0" cy="0"/>
-          <a:chOff x="0" y="0"/>
-          <a:chExt cx="0" cy="0"/>
-        </a:xfrm>
-      </p:grpSpPr>
-      <p:sp>
-        <p:nvSpPr>
-          <p:cNvPr id="2" name="Título 1">
-            <a:extLst>
-              <a:ext uri="{FF2B5EF4-FFF2-40B4-BE49-F238E27FC236}">
-                <a16:creationId xmlns:a16="http://schemas.microsoft.com/office/drawing/2014/main" id="{07F50890-2E53-184C-806D-5DFB68648DAD}"/>
-              </a:ext>
-            </a:extLst>
-          </p:cNvPr>
-          <p:cNvSpPr>
-            <a:spLocks noGrp="1"/>
-          </p:cNvSpPr>
-          <p:nvPr>
-            <p:ph type="title"/>
-          </p:nvPr>
-        </p:nvSpPr>
-        <p:spPr/>
-        <p:txBody>
-          <a:bodyPr/>
-          <a:lstStyle/>
-          <a:p>
-            <a:r>
-              <a:rPr lang="es-ES" dirty="0" err="1"/>
-              <a:t>Queues</a:t>
-            </a:r>
-            <a:endParaRPr lang="es-ES" dirty="0"/>
-          </a:p>
-        </p:txBody>
-      </p:sp>
-      <p:sp>
-        <p:nvSpPr>
-          <p:cNvPr id="3" name="CuadroTexto 2">
-            <a:extLst>
-              <a:ext uri="{FF2B5EF4-FFF2-40B4-BE49-F238E27FC236}">
-                <a16:creationId xmlns:a16="http://schemas.microsoft.com/office/drawing/2014/main" id="{C1016858-14C4-4F09-BFC5-2BEB9A436FCF}"/>
-              </a:ext>
-            </a:extLst>
-          </p:cNvPr>
-          <p:cNvSpPr txBox="1"/>
-          <p:nvPr/>
-        </p:nvSpPr>
-        <p:spPr>
-          <a:xfrm>
-            <a:off x="838200" y="1690688"/>
-            <a:ext cx="10515600" cy="923330"/>
-          </a:xfrm>
-          <a:prstGeom prst="rect">
-            <a:avLst/>
-          </a:prstGeom>
-          <a:noFill/>
-        </p:spPr>
-        <p:txBody>
-          <a:bodyPr wrap="square" rtlCol="0">
-            <a:spAutoFit/>
-          </a:bodyPr>
-          <a:lstStyle/>
-          <a:p>
-            <a:pPr algn="just"/>
-            <a:r>
-              <a:rPr lang="en-US" dirty="0">
-                <a:latin typeface="+mj-lt"/>
-              </a:rPr>
-              <a:t>Simplified messaging bus. Guarantees delivery but does not ensure the order. Messages expire after 7 days. It allows 80Gb for each queue and 64Kb for each message. It support </a:t>
-            </a:r>
-            <a:r>
-              <a:rPr lang="es-ES" dirty="0" err="1">
-                <a:latin typeface="+mj-lt"/>
-              </a:rPr>
-              <a:t>Get</a:t>
-            </a:r>
-            <a:r>
-              <a:rPr lang="es-ES" dirty="0">
-                <a:latin typeface="+mj-lt"/>
-              </a:rPr>
-              <a:t>, </a:t>
-            </a:r>
-            <a:r>
-              <a:rPr lang="es-ES" dirty="0" err="1">
-                <a:latin typeface="+mj-lt"/>
-              </a:rPr>
-              <a:t>Peek</a:t>
-            </a:r>
-            <a:r>
-              <a:rPr lang="es-ES" dirty="0">
-                <a:latin typeface="+mj-lt"/>
-              </a:rPr>
-              <a:t>, </a:t>
-            </a:r>
-            <a:r>
-              <a:rPr lang="es-ES" dirty="0" err="1">
-                <a:latin typeface="+mj-lt"/>
-              </a:rPr>
-              <a:t>Update</a:t>
-            </a:r>
-            <a:r>
-              <a:rPr lang="es-ES" dirty="0">
-                <a:latin typeface="+mj-lt"/>
-              </a:rPr>
-              <a:t> and </a:t>
-            </a:r>
-            <a:r>
-              <a:rPr lang="es-ES" dirty="0" err="1">
-                <a:latin typeface="+mj-lt"/>
-              </a:rPr>
-              <a:t>Delete</a:t>
-            </a:r>
-            <a:r>
-              <a:rPr lang="es-ES" dirty="0">
-                <a:latin typeface="+mj-lt"/>
-              </a:rPr>
-              <a:t> </a:t>
-            </a:r>
-            <a:r>
-              <a:rPr lang="es-ES" dirty="0" err="1">
-                <a:latin typeface="+mj-lt"/>
-              </a:rPr>
-              <a:t>operations</a:t>
-            </a:r>
-            <a:r>
-              <a:rPr lang="es-ES" dirty="0">
-                <a:latin typeface="+mj-lt"/>
-              </a:rPr>
-              <a:t>.</a:t>
-            </a:r>
-          </a:p>
-        </p:txBody>
-      </p:sp>
-      <p:sp>
-        <p:nvSpPr>
-          <p:cNvPr id="6" name="CuadroTexto 5">
-            <a:extLst>
-              <a:ext uri="{FF2B5EF4-FFF2-40B4-BE49-F238E27FC236}">
-                <a16:creationId xmlns:a16="http://schemas.microsoft.com/office/drawing/2014/main" id="{FFE0E7D1-D992-49BD-98FC-9D569237177A}"/>
-              </a:ext>
-            </a:extLst>
-          </p:cNvPr>
-          <p:cNvSpPr txBox="1"/>
-          <p:nvPr/>
-        </p:nvSpPr>
-        <p:spPr>
-          <a:xfrm>
-            <a:off x="1820666" y="5816976"/>
-            <a:ext cx="7529625" cy="369332"/>
-          </a:xfrm>
-          <a:prstGeom prst="rect">
-            <a:avLst/>
-          </a:prstGeom>
-          <a:noFill/>
-        </p:spPr>
-        <p:txBody>
-          <a:bodyPr wrap="none" rtlCol="0">
-            <a:spAutoFit/>
-          </a:bodyPr>
-          <a:lstStyle/>
-          <a:p>
-            <a:r>
-              <a:rPr lang="es-ES" dirty="0">
-                <a:latin typeface="+mj-lt"/>
-              </a:rPr>
-              <a:t>https://azure.microsoft.com/es-es/services/storage/queues/</a:t>
-            </a:r>
-          </a:p>
-        </p:txBody>
-      </p:sp>
-      <p:pic>
-        <p:nvPicPr>
-          <p:cNvPr id="7" name="Imagen 6" descr="Imagen que contiene crucigrama, interior, texto&#10;&#10;Descripción generada automáticamente">
-            <a:extLst>
-              <a:ext uri="{FF2B5EF4-FFF2-40B4-BE49-F238E27FC236}">
-                <a16:creationId xmlns:a16="http://schemas.microsoft.com/office/drawing/2014/main" id="{4900646D-0F8A-4FBB-A641-41E18FD289F9}"/>
-              </a:ext>
-            </a:extLst>
-          </p:cNvPr>
-          <p:cNvPicPr>
-            <a:picLocks noChangeAspect="1"/>
-          </p:cNvPicPr>
-          <p:nvPr/>
-        </p:nvPicPr>
-        <p:blipFill>
-          <a:blip r:embed="rId2"/>
-          <a:stretch>
-            <a:fillRect/>
-          </a:stretch>
-        </p:blipFill>
-        <p:spPr>
-          <a:xfrm>
-            <a:off x="838200" y="5510409"/>
-            <a:ext cx="982466" cy="982466"/>
-          </a:xfrm>
-          <a:prstGeom prst="rect">
-            <a:avLst/>
-          </a:prstGeom>
-        </p:spPr>
-      </p:pic>
-    </p:spTree>
-    <p:extLst>
-      <p:ext uri="{BB962C8B-B14F-4D97-AF65-F5344CB8AC3E}">
-        <p14:creationId xmlns:p14="http://schemas.microsoft.com/office/powerpoint/2010/main" val="2450381211"/>
-      </p:ext>
-    </p:extLst>
-  </p:cSld>
-  <p:clrMapOvr>
-    <a:masterClrMapping/>
-  </p:clrMapOvr>
-</p:sld>
-</file>
-
-<file path=ppt/slides/slide9.xml><?xml version="1.0" encoding="utf-8"?>
-<p:sld xmlns:a="http://schemas.openxmlformats.org/drawingml/2006/main" xmlns:r="http://schemas.openxmlformats.org/officeDocument/2006/relationships" xmlns:p="http://schemas.openxmlformats.org/presentationml/2006/main">
-  <p:cSld>
-    <p:spTree>
-      <p:nvGrpSpPr>
-        <p:cNvPr id="1" name=""/>
-        <p:cNvGrpSpPr/>
-        <p:nvPr/>
-      </p:nvGrpSpPr>
-      <p:grpSpPr>
-        <a:xfrm>
-          <a:off x="0" y="0"/>
-          <a:ext cx="0" cy="0"/>
-          <a:chOff x="0" y="0"/>
-          <a:chExt cx="0" cy="0"/>
-        </a:xfrm>
-      </p:grpSpPr>
-      <p:sp>
-        <p:nvSpPr>
-          <p:cNvPr id="2" name="Título 1">
-            <a:extLst>
-              <a:ext uri="{FF2B5EF4-FFF2-40B4-BE49-F238E27FC236}">
-                <a16:creationId xmlns:a16="http://schemas.microsoft.com/office/drawing/2014/main" id="{07F50890-2E53-184C-806D-5DFB68648DAD}"/>
-              </a:ext>
-            </a:extLst>
-          </p:cNvPr>
-          <p:cNvSpPr>
-            <a:spLocks noGrp="1"/>
-          </p:cNvSpPr>
-          <p:nvPr>
-            <p:ph type="title"/>
-          </p:nvPr>
-        </p:nvSpPr>
-        <p:spPr/>
-        <p:txBody>
-          <a:bodyPr/>
-          <a:lstStyle/>
-          <a:p>
-            <a:r>
-              <a:rPr lang="es-ES" dirty="0" err="1"/>
-              <a:t>Others</a:t>
-            </a:r>
-            <a:endParaRPr lang="es-ES" dirty="0"/>
-          </a:p>
-        </p:txBody>
-      </p:sp>
-      <p:sp>
-        <p:nvSpPr>
-          <p:cNvPr id="3" name="CuadroTexto 2">
-            <a:extLst>
-              <a:ext uri="{FF2B5EF4-FFF2-40B4-BE49-F238E27FC236}">
-                <a16:creationId xmlns:a16="http://schemas.microsoft.com/office/drawing/2014/main" id="{C1016858-14C4-4F09-BFC5-2BEB9A436FCF}"/>
-              </a:ext>
-            </a:extLst>
-          </p:cNvPr>
-          <p:cNvSpPr txBox="1"/>
-          <p:nvPr/>
-        </p:nvSpPr>
-        <p:spPr>
-          <a:xfrm>
-            <a:off x="838200" y="1690688"/>
-            <a:ext cx="10515600" cy="369332"/>
-          </a:xfrm>
-          <a:prstGeom prst="rect">
-            <a:avLst/>
-          </a:prstGeom>
-          <a:noFill/>
-        </p:spPr>
-        <p:txBody>
-          <a:bodyPr wrap="square" rtlCol="0">
-            <a:spAutoFit/>
-          </a:bodyPr>
-          <a:lstStyle/>
-          <a:p>
-            <a:pPr algn="just"/>
-            <a:r>
-              <a:rPr lang="es-ES" dirty="0">
-                <a:latin typeface="+mj-lt"/>
-              </a:rPr>
-              <a:t>Tables, Data Lake, Azure </a:t>
-            </a:r>
-            <a:r>
-              <a:rPr lang="es-ES" dirty="0" err="1">
-                <a:latin typeface="+mj-lt"/>
-              </a:rPr>
-              <a:t>Avere</a:t>
-            </a:r>
-            <a:r>
-              <a:rPr lang="es-ES" dirty="0">
-                <a:latin typeface="+mj-lt"/>
-              </a:rPr>
-              <a:t> </a:t>
-            </a:r>
-            <a:r>
-              <a:rPr lang="es-ES" dirty="0" err="1"/>
-              <a:t>vFXT</a:t>
-            </a:r>
-            <a:r>
-              <a:rPr lang="es-ES" dirty="0"/>
-              <a:t>.</a:t>
-            </a:r>
-          </a:p>
-        </p:txBody>
-      </p:sp>
-    </p:spTree>
-    <p:extLst>
-      <p:ext uri="{BB962C8B-B14F-4D97-AF65-F5344CB8AC3E}">
-        <p14:creationId xmlns:p14="http://schemas.microsoft.com/office/powerpoint/2010/main" val="3488021391"/>
       </p:ext>
     </p:extLst>
   </p:cSld>
